--- a/LectureSlides/CSE_591_L14 - Graph Analytics.pptx
+++ b/LectureSlides/CSE_591_L14 - Graph Analytics.pptx
@@ -249,7 +249,7 @@
           <a:p>
             <a:fld id="{D9B44C77-4A82-4484-AF45-71FB31E79701}" type="datetimeFigureOut">
               <a:rPr lang="en-US" smtClean="0"/>
-              <a:t>2/23/2017</a:t>
+              <a:t>2/28/17</a:t>
             </a:fld>
             <a:endParaRPr lang="en-US"/>
           </a:p>
@@ -517,6 +517,258 @@
 </p:notesMaster>
 </file>
 
+<file path=ppt/notesSlides/notesSlide1.xml><?xml version="1.0" encoding="utf-8"?>
+<p:notes xmlns:a="http://schemas.openxmlformats.org/drawingml/2006/main" xmlns:r="http://schemas.openxmlformats.org/officeDocument/2006/relationships" xmlns:p="http://schemas.openxmlformats.org/presentationml/2006/main">
+  <p:cSld>
+    <p:spTree>
+      <p:nvGrpSpPr>
+        <p:cNvPr id="1" name=""/>
+        <p:cNvGrpSpPr/>
+        <p:nvPr/>
+      </p:nvGrpSpPr>
+      <p:grpSpPr>
+        <a:xfrm>
+          <a:off x="0" y="0"/>
+          <a:ext cx="0" cy="0"/>
+          <a:chOff x="0" y="0"/>
+          <a:chExt cx="0" cy="0"/>
+        </a:xfrm>
+      </p:grpSpPr>
+      <p:sp>
+        <p:nvSpPr>
+          <p:cNvPr id="2" name="Slide Image Placeholder 1"/>
+          <p:cNvSpPr>
+            <a:spLocks noGrp="1" noRot="1" noChangeAspect="1"/>
+          </p:cNvSpPr>
+          <p:nvPr>
+            <p:ph type="sldImg"/>
+          </p:nvPr>
+        </p:nvSpPr>
+        <p:spPr/>
+      </p:sp>
+      <p:sp>
+        <p:nvSpPr>
+          <p:cNvPr id="3" name="Notes Placeholder 2"/>
+          <p:cNvSpPr>
+            <a:spLocks noGrp="1"/>
+          </p:cNvSpPr>
+          <p:nvPr>
+            <p:ph type="body" idx="1"/>
+          </p:nvPr>
+        </p:nvSpPr>
+        <p:spPr/>
+        <p:txBody>
+          <a:bodyPr/>
+          <a:lstStyle/>
+          <a:p>
+            <a:endParaRPr lang="en-US" dirty="0"/>
+          </a:p>
+        </p:txBody>
+      </p:sp>
+      <p:sp>
+        <p:nvSpPr>
+          <p:cNvPr id="4" name="Slide Number Placeholder 3"/>
+          <p:cNvSpPr>
+            <a:spLocks noGrp="1"/>
+          </p:cNvSpPr>
+          <p:nvPr>
+            <p:ph type="sldNum" sz="quarter" idx="10"/>
+          </p:nvPr>
+        </p:nvSpPr>
+        <p:spPr/>
+        <p:txBody>
+          <a:bodyPr/>
+          <a:lstStyle/>
+          <a:p>
+            <a:fld id="{952D7014-3A32-427F-85A0-BBEBCB83E276}" type="slidenum">
+              <a:rPr lang="en-US" smtClean="0"/>
+              <a:t>3</a:t>
+            </a:fld>
+            <a:endParaRPr lang="en-US"/>
+          </a:p>
+        </p:txBody>
+      </p:sp>
+    </p:spTree>
+    <p:extLst>
+      <p:ext uri="{BB962C8B-B14F-4D97-AF65-F5344CB8AC3E}">
+        <p14:creationId xmlns:p14="http://schemas.microsoft.com/office/powerpoint/2010/main" val="878861983"/>
+      </p:ext>
+    </p:extLst>
+  </p:cSld>
+  <p:clrMapOvr>
+    <a:masterClrMapping/>
+  </p:clrMapOvr>
+</p:notes>
+</file>
+
+<file path=ppt/notesSlides/notesSlide2.xml><?xml version="1.0" encoding="utf-8"?>
+<p:notes xmlns:a="http://schemas.openxmlformats.org/drawingml/2006/main" xmlns:r="http://schemas.openxmlformats.org/officeDocument/2006/relationships" xmlns:p="http://schemas.openxmlformats.org/presentationml/2006/main">
+  <p:cSld>
+    <p:spTree>
+      <p:nvGrpSpPr>
+        <p:cNvPr id="1" name=""/>
+        <p:cNvGrpSpPr/>
+        <p:nvPr/>
+      </p:nvGrpSpPr>
+      <p:grpSpPr>
+        <a:xfrm>
+          <a:off x="0" y="0"/>
+          <a:ext cx="0" cy="0"/>
+          <a:chOff x="0" y="0"/>
+          <a:chExt cx="0" cy="0"/>
+        </a:xfrm>
+      </p:grpSpPr>
+      <p:sp>
+        <p:nvSpPr>
+          <p:cNvPr id="2" name="Slide Image Placeholder 1"/>
+          <p:cNvSpPr>
+            <a:spLocks noGrp="1" noRot="1" noChangeAspect="1"/>
+          </p:cNvSpPr>
+          <p:nvPr>
+            <p:ph type="sldImg"/>
+          </p:nvPr>
+        </p:nvSpPr>
+        <p:spPr/>
+      </p:sp>
+      <p:sp>
+        <p:nvSpPr>
+          <p:cNvPr id="3" name="Notes Placeholder 2"/>
+          <p:cNvSpPr>
+            <a:spLocks noGrp="1"/>
+          </p:cNvSpPr>
+          <p:nvPr>
+            <p:ph type="body" idx="1"/>
+          </p:nvPr>
+        </p:nvSpPr>
+        <p:spPr/>
+        <p:txBody>
+          <a:bodyPr/>
+          <a:lstStyle/>
+          <a:p>
+            <a:endParaRPr lang="en-US" dirty="0"/>
+          </a:p>
+        </p:txBody>
+      </p:sp>
+      <p:sp>
+        <p:nvSpPr>
+          <p:cNvPr id="4" name="Slide Number Placeholder 3"/>
+          <p:cNvSpPr>
+            <a:spLocks noGrp="1"/>
+          </p:cNvSpPr>
+          <p:nvPr>
+            <p:ph type="sldNum" sz="quarter" idx="10"/>
+          </p:nvPr>
+        </p:nvSpPr>
+        <p:spPr/>
+        <p:txBody>
+          <a:bodyPr/>
+          <a:lstStyle/>
+          <a:p>
+            <a:fld id="{952D7014-3A32-427F-85A0-BBEBCB83E276}" type="slidenum">
+              <a:rPr lang="en-US" smtClean="0"/>
+              <a:t>10</a:t>
+            </a:fld>
+            <a:endParaRPr lang="en-US"/>
+          </a:p>
+        </p:txBody>
+      </p:sp>
+    </p:spTree>
+    <p:extLst>
+      <p:ext uri="{BB962C8B-B14F-4D97-AF65-F5344CB8AC3E}">
+        <p14:creationId xmlns:p14="http://schemas.microsoft.com/office/powerpoint/2010/main" val="830379352"/>
+      </p:ext>
+    </p:extLst>
+  </p:cSld>
+  <p:clrMapOvr>
+    <a:masterClrMapping/>
+  </p:clrMapOvr>
+</p:notes>
+</file>
+
+<file path=ppt/notesSlides/notesSlide3.xml><?xml version="1.0" encoding="utf-8"?>
+<p:notes xmlns:a="http://schemas.openxmlformats.org/drawingml/2006/main" xmlns:r="http://schemas.openxmlformats.org/officeDocument/2006/relationships" xmlns:p="http://schemas.openxmlformats.org/presentationml/2006/main">
+  <p:cSld>
+    <p:spTree>
+      <p:nvGrpSpPr>
+        <p:cNvPr id="1" name=""/>
+        <p:cNvGrpSpPr/>
+        <p:nvPr/>
+      </p:nvGrpSpPr>
+      <p:grpSpPr>
+        <a:xfrm>
+          <a:off x="0" y="0"/>
+          <a:ext cx="0" cy="0"/>
+          <a:chOff x="0" y="0"/>
+          <a:chExt cx="0" cy="0"/>
+        </a:xfrm>
+      </p:grpSpPr>
+      <p:sp>
+        <p:nvSpPr>
+          <p:cNvPr id="2" name="Slide Image Placeholder 1"/>
+          <p:cNvSpPr>
+            <a:spLocks noGrp="1" noRot="1" noChangeAspect="1"/>
+          </p:cNvSpPr>
+          <p:nvPr>
+            <p:ph type="sldImg"/>
+          </p:nvPr>
+        </p:nvSpPr>
+        <p:spPr/>
+      </p:sp>
+      <p:sp>
+        <p:nvSpPr>
+          <p:cNvPr id="3" name="Notes Placeholder 2"/>
+          <p:cNvSpPr>
+            <a:spLocks noGrp="1"/>
+          </p:cNvSpPr>
+          <p:nvPr>
+            <p:ph type="body" idx="1"/>
+          </p:nvPr>
+        </p:nvSpPr>
+        <p:spPr/>
+        <p:txBody>
+          <a:bodyPr/>
+          <a:lstStyle/>
+          <a:p>
+            <a:endParaRPr lang="en-US" dirty="0"/>
+          </a:p>
+        </p:txBody>
+      </p:sp>
+      <p:sp>
+        <p:nvSpPr>
+          <p:cNvPr id="4" name="Slide Number Placeholder 3"/>
+          <p:cNvSpPr>
+            <a:spLocks noGrp="1"/>
+          </p:cNvSpPr>
+          <p:nvPr>
+            <p:ph type="sldNum" sz="quarter" idx="10"/>
+          </p:nvPr>
+        </p:nvSpPr>
+        <p:spPr/>
+        <p:txBody>
+          <a:bodyPr/>
+          <a:lstStyle/>
+          <a:p>
+            <a:fld id="{952D7014-3A32-427F-85A0-BBEBCB83E276}" type="slidenum">
+              <a:rPr lang="en-US" smtClean="0"/>
+              <a:t>15</a:t>
+            </a:fld>
+            <a:endParaRPr lang="en-US"/>
+          </a:p>
+        </p:txBody>
+      </p:sp>
+    </p:spTree>
+    <p:extLst>
+      <p:ext uri="{BB962C8B-B14F-4D97-AF65-F5344CB8AC3E}">
+        <p14:creationId xmlns:p14="http://schemas.microsoft.com/office/powerpoint/2010/main" val="952208343"/>
+      </p:ext>
+    </p:extLst>
+  </p:cSld>
+  <p:clrMapOvr>
+    <a:masterClrMapping/>
+  </p:clrMapOvr>
+</p:notes>
+</file>
+
 <file path=ppt/slideLayouts/slideLayout1.xml><?xml version="1.0" encoding="utf-8"?>
 <p:sldLayout xmlns:a="http://schemas.openxmlformats.org/drawingml/2006/main" xmlns:r="http://schemas.openxmlformats.org/officeDocument/2006/relationships" xmlns:p="http://schemas.openxmlformats.org/presentationml/2006/main" showMasterSp="0" type="title" preserve="1">
   <p:cSld name="Title Slide">
@@ -712,7 +964,7 @@
             <a:fld id="{564CF2E0-CCC4-4E1E-9902-C3C36AB3FDA4}" type="datetimeFigureOut">
               <a:rPr lang="en-US" smtClean="0"/>
               <a:pPr/>
-              <a:t>2/23/2017</a:t>
+              <a:t>2/28/17</a:t>
             </a:fld>
             <a:endParaRPr lang="en-US"/>
           </a:p>
@@ -1071,7 +1323,7 @@
             <a:fld id="{564CF2E0-CCC4-4E1E-9902-C3C36AB3FDA4}" type="datetimeFigureOut">
               <a:rPr lang="en-US" smtClean="0"/>
               <a:pPr/>
-              <a:t>2/23/2017</a:t>
+              <a:t>2/28/17</a:t>
             </a:fld>
             <a:endParaRPr lang="en-US"/>
           </a:p>
@@ -1248,7 +1500,7 @@
             <a:fld id="{564CF2E0-CCC4-4E1E-9902-C3C36AB3FDA4}" type="datetimeFigureOut">
               <a:rPr lang="en-US" smtClean="0"/>
               <a:pPr/>
-              <a:t>2/23/2017</a:t>
+              <a:t>2/28/17</a:t>
             </a:fld>
             <a:endParaRPr lang="en-US"/>
           </a:p>
@@ -1363,7 +1615,7 @@
             <a:fld id="{564CF2E0-CCC4-4E1E-9902-C3C36AB3FDA4}" type="datetimeFigureOut">
               <a:rPr lang="en-US" smtClean="0"/>
               <a:pPr/>
-              <a:t>2/23/2017</a:t>
+              <a:t>2/28/17</a:t>
             </a:fld>
             <a:endParaRPr lang="en-US"/>
           </a:p>
@@ -1723,7 +1975,7 @@
             <a:fld id="{564CF2E0-CCC4-4E1E-9902-C3C36AB3FDA4}" type="datetimeFigureOut">
               <a:rPr lang="en-US" smtClean="0"/>
               <a:pPr/>
-              <a:t>2/23/2017</a:t>
+              <a:t>2/28/17</a:t>
             </a:fld>
             <a:endParaRPr lang="en-US"/>
           </a:p>
@@ -1990,7 +2242,7 @@
             <a:fld id="{564CF2E0-CCC4-4E1E-9902-C3C36AB3FDA4}" type="datetimeFigureOut">
               <a:rPr lang="en-US" smtClean="0"/>
               <a:pPr/>
-              <a:t>2/23/2017</a:t>
+              <a:t>2/28/17</a:t>
             </a:fld>
             <a:endParaRPr lang="en-US"/>
           </a:p>
@@ -2354,7 +2606,7 @@
             <a:fld id="{564CF2E0-CCC4-4E1E-9902-C3C36AB3FDA4}" type="datetimeFigureOut">
               <a:rPr lang="en-US" smtClean="0"/>
               <a:pPr/>
-              <a:t>2/23/2017</a:t>
+              <a:t>2/28/17</a:t>
             </a:fld>
             <a:endParaRPr lang="en-US"/>
           </a:p>
@@ -2583,7 +2835,7 @@
             <a:fld id="{564CF2E0-CCC4-4E1E-9902-C3C36AB3FDA4}" type="datetimeFigureOut">
               <a:rPr lang="en-US" smtClean="0"/>
               <a:pPr/>
-              <a:t>2/23/2017</a:t>
+              <a:t>2/28/17</a:t>
             </a:fld>
             <a:endParaRPr lang="en-US"/>
           </a:p>
@@ -2675,7 +2927,7 @@
             <a:fld id="{564CF2E0-CCC4-4E1E-9902-C3C36AB3FDA4}" type="datetimeFigureOut">
               <a:rPr lang="en-US" smtClean="0"/>
               <a:pPr/>
-              <a:t>2/23/2017</a:t>
+              <a:t>2/28/17</a:t>
             </a:fld>
             <a:endParaRPr lang="en-US"/>
           </a:p>
@@ -2944,7 +3196,7 @@
             <a:fld id="{564CF2E0-CCC4-4E1E-9902-C3C36AB3FDA4}" type="datetimeFigureOut">
               <a:rPr lang="en-US" smtClean="0"/>
               <a:pPr/>
-              <a:t>2/23/2017</a:t>
+              <a:t>2/28/17</a:t>
             </a:fld>
             <a:endParaRPr lang="en-US"/>
           </a:p>
@@ -3174,7 +3426,7 @@
             <a:fld id="{564CF2E0-CCC4-4E1E-9902-C3C36AB3FDA4}" type="datetimeFigureOut">
               <a:rPr lang="en-US" smtClean="0"/>
               <a:pPr/>
-              <a:t>2/23/2017</a:t>
+              <a:t>2/28/17</a:t>
             </a:fld>
             <a:endParaRPr lang="en-US"/>
           </a:p>
@@ -3676,7 +3928,7 @@
             <a:fld id="{564CF2E0-CCC4-4E1E-9902-C3C36AB3FDA4}" type="datetimeFigureOut">
               <a:rPr lang="en-US" smtClean="0"/>
               <a:pPr algn="r" eaLnBrk="1" latinLnBrk="0" hangingPunct="1"/>
-              <a:t>2/23/2017</a:t>
+              <a:t>2/28/17</a:t>
             </a:fld>
             <a:endParaRPr lang="en-US" sz="1400" dirty="0">
               <a:solidFill>
@@ -4324,7 +4576,7 @@
                       <m:sSubPr>
                         <m:ctrlPr>
                           <a:rPr lang="en-US" b="0" i="1" dirty="0" smtClean="0">
-                            <a:latin typeface="Cambria Math" panose="02040503050406030204" pitchFamily="18" charset="0"/>
+                            <a:latin typeface="Cambria Math" charset="0"/>
                             <a:ea typeface="Cambria Math"/>
                           </a:rPr>
                         </m:ctrlPr>
@@ -4365,7 +4617,7 @@
                       <m:sSubPr>
                         <m:ctrlPr>
                           <a:rPr lang="en-US" b="0" i="1" dirty="0" smtClean="0">
-                            <a:latin typeface="Cambria Math" panose="02040503050406030204" pitchFamily="18" charset="0"/>
+                            <a:latin typeface="Cambria Math" charset="0"/>
                             <a:ea typeface="Cambria Math"/>
                           </a:rPr>
                         </m:ctrlPr>
@@ -4406,7 +4658,7 @@
                       <m:sSubPr>
                         <m:ctrlPr>
                           <a:rPr lang="en-US" b="0" i="1" dirty="0" smtClean="0">
-                            <a:latin typeface="Cambria Math" panose="02040503050406030204" pitchFamily="18" charset="0"/>
+                            <a:latin typeface="Cambria Math" charset="0"/>
                             <a:ea typeface="Cambria Math"/>
                           </a:rPr>
                         </m:ctrlPr>
@@ -4447,7 +4699,7 @@
                       <m:sSubPr>
                         <m:ctrlPr>
                           <a:rPr lang="en-US" b="0" i="1" dirty="0" smtClean="0">
-                            <a:latin typeface="Cambria Math" panose="02040503050406030204" pitchFamily="18" charset="0"/>
+                            <a:latin typeface="Cambria Math" charset="0"/>
                             <a:ea typeface="Cambria Math"/>
                           </a:rPr>
                         </m:ctrlPr>
@@ -4536,7 +4788,7 @@
                       <m:sSubPr>
                         <m:ctrlPr>
                           <a:rPr lang="en-US" i="1" dirty="0">
-                            <a:latin typeface="Cambria Math" panose="02040503050406030204" pitchFamily="18" charset="0"/>
+                            <a:latin typeface="Cambria Math" charset="0"/>
                             <a:ea typeface="Cambria Math"/>
                           </a:rPr>
                         </m:ctrlPr>
@@ -4577,7 +4829,7 @@
                       <m:sSubPr>
                         <m:ctrlPr>
                           <a:rPr lang="en-US" i="1" dirty="0">
-                            <a:latin typeface="Cambria Math" panose="02040503050406030204" pitchFamily="18" charset="0"/>
+                            <a:latin typeface="Cambria Math" charset="0"/>
                             <a:ea typeface="Cambria Math"/>
                           </a:rPr>
                         </m:ctrlPr>
@@ -4626,7 +4878,7 @@
                       <m:sSubPr>
                         <m:ctrlPr>
                           <a:rPr lang="en-US" i="1" dirty="0">
-                            <a:latin typeface="Cambria Math" panose="02040503050406030204" pitchFamily="18" charset="0"/>
+                            <a:latin typeface="Cambria Math" charset="0"/>
                             <a:ea typeface="Cambria Math"/>
                           </a:rPr>
                         </m:ctrlPr>
@@ -4667,7 +4919,7 @@
                       <m:sSubPr>
                         <m:ctrlPr>
                           <a:rPr lang="en-US" i="1" dirty="0">
-                            <a:latin typeface="Cambria Math" panose="02040503050406030204" pitchFamily="18" charset="0"/>
+                            <a:latin typeface="Cambria Math" charset="0"/>
                             <a:ea typeface="Cambria Math"/>
                           </a:rPr>
                         </m:ctrlPr>
@@ -4755,7 +5007,7 @@
             </p:nvSpPr>
             <p:spPr>
               <a:blipFill rotWithShape="1">
-                <a:blip r:embed="rId2"/>
+                <a:blip r:embed="rId3"/>
                 <a:stretch>
                   <a:fillRect l="-706" t="-1067" b="-533"/>
                 </a:stretch>
@@ -5434,7 +5686,7 @@
                       <m:dPr>
                         <m:ctrlPr>
                           <a:rPr lang="en-US" b="0" i="1" smtClean="0">
-                            <a:latin typeface="Cambria Math" panose="02040503050406030204" pitchFamily="18" charset="0"/>
+                            <a:latin typeface="Cambria Math" charset="0"/>
                             <a:ea typeface="Cambria Math"/>
                           </a:rPr>
                         </m:ctrlPr>
@@ -5467,7 +5719,7 @@
                       <m:dPr>
                         <m:ctrlPr>
                           <a:rPr lang="en-US" i="1">
-                            <a:latin typeface="Cambria Math" panose="02040503050406030204" pitchFamily="18" charset="0"/>
+                            <a:latin typeface="Cambria Math" charset="0"/>
                             <a:ea typeface="Cambria Math"/>
                           </a:rPr>
                         </m:ctrlPr>
@@ -6078,7 +6330,7 @@
             </p:nvSpPr>
             <p:spPr>
               <a:blipFill rotWithShape="1">
-                <a:blip r:embed="rId2"/>
+                <a:blip r:embed="rId3"/>
                 <a:stretch>
                   <a:fillRect l="-706" t="-1067" r="-941"/>
                 </a:stretch>
@@ -6763,7 +7015,7 @@
                       <m:sSubPr>
                         <m:ctrlPr>
                           <a:rPr lang="en-US" b="0" i="1" smtClean="0">
-                            <a:latin typeface="Cambria Math" panose="02040503050406030204" pitchFamily="18" charset="0"/>
+                            <a:latin typeface="Cambria Math" charset="0"/>
                           </a:rPr>
                         </m:ctrlPr>
                       </m:sSubPr>
@@ -6794,7 +7046,7 @@
                       <m:fPr>
                         <m:ctrlPr>
                           <a:rPr lang="en-US" b="0" i="1" smtClean="0">
-                            <a:latin typeface="Cambria Math" panose="02040503050406030204" pitchFamily="18" charset="0"/>
+                            <a:latin typeface="Cambria Math" charset="0"/>
                           </a:rPr>
                         </m:ctrlPr>
                       </m:fPr>
@@ -6805,7 +7057,7 @@
                             <m:endChr m:val="|"/>
                             <m:ctrlPr>
                               <a:rPr lang="en-US" b="0" i="1" smtClean="0">
-                                <a:latin typeface="Cambria Math" panose="02040503050406030204" pitchFamily="18" charset="0"/>
+                                <a:latin typeface="Cambria Math" charset="0"/>
                               </a:rPr>
                             </m:ctrlPr>
                           </m:dPr>
@@ -6816,7 +7068,7 @@
                                 <m:endChr m:val="}"/>
                                 <m:ctrlPr>
                                   <a:rPr lang="en-US" b="0" i="1" smtClean="0">
-                                    <a:latin typeface="Cambria Math" panose="02040503050406030204" pitchFamily="18" charset="0"/>
+                                    <a:latin typeface="Cambria Math" charset="0"/>
                                   </a:rPr>
                                 </m:ctrlPr>
                               </m:dPr>
@@ -6825,7 +7077,7 @@
                                   <m:sSubPr>
                                     <m:ctrlPr>
                                       <a:rPr lang="en-US" b="0" i="1" smtClean="0">
-                                        <a:latin typeface="Cambria Math" panose="02040503050406030204" pitchFamily="18" charset="0"/>
+                                        <a:latin typeface="Cambria Math" charset="0"/>
                                       </a:rPr>
                                     </m:ctrlPr>
                                   </m:sSubPr>
@@ -6856,7 +7108,7 @@
                           <m:sSubPr>
                             <m:ctrlPr>
                               <a:rPr lang="en-US" b="0" i="1" smtClean="0">
-                                <a:latin typeface="Cambria Math" panose="02040503050406030204" pitchFamily="18" charset="0"/>
+                                <a:latin typeface="Cambria Math" charset="0"/>
                               </a:rPr>
                             </m:ctrlPr>
                           </m:sSubPr>
@@ -6887,7 +7139,7 @@
                           <m:sSubPr>
                             <m:ctrlPr>
                               <a:rPr lang="en-US" b="0" i="1" smtClean="0">
-                                <a:latin typeface="Cambria Math" panose="02040503050406030204" pitchFamily="18" charset="0"/>
+                                <a:latin typeface="Cambria Math" charset="0"/>
                               </a:rPr>
                             </m:ctrlPr>
                           </m:sSubPr>
@@ -6989,7 +7241,7 @@
                       <m:sSubPr>
                         <m:ctrlPr>
                           <a:rPr lang="en-US" i="1">
-                            <a:latin typeface="Cambria Math" panose="02040503050406030204" pitchFamily="18" charset="0"/>
+                            <a:latin typeface="Cambria Math" charset="0"/>
                           </a:rPr>
                         </m:ctrlPr>
                       </m:sSubPr>
@@ -7020,7 +7272,7 @@
                       <m:fPr>
                         <m:ctrlPr>
                           <a:rPr lang="en-US" i="1">
-                            <a:latin typeface="Cambria Math" panose="02040503050406030204" pitchFamily="18" charset="0"/>
+                            <a:latin typeface="Cambria Math" charset="0"/>
                           </a:rPr>
                         </m:ctrlPr>
                       </m:fPr>
@@ -7037,7 +7289,7 @@
                             <m:endChr m:val="|"/>
                             <m:ctrlPr>
                               <a:rPr lang="en-US" i="1">
-                                <a:latin typeface="Cambria Math" panose="02040503050406030204" pitchFamily="18" charset="0"/>
+                                <a:latin typeface="Cambria Math" charset="0"/>
                               </a:rPr>
                             </m:ctrlPr>
                           </m:dPr>
@@ -7048,7 +7300,7 @@
                                 <m:endChr m:val="}"/>
                                 <m:ctrlPr>
                                   <a:rPr lang="en-US" i="1">
-                                    <a:latin typeface="Cambria Math" panose="02040503050406030204" pitchFamily="18" charset="0"/>
+                                    <a:latin typeface="Cambria Math" charset="0"/>
                                   </a:rPr>
                                 </m:ctrlPr>
                               </m:dPr>
@@ -7057,7 +7309,7 @@
                                   <m:sSubPr>
                                     <m:ctrlPr>
                                       <a:rPr lang="en-US" i="1">
-                                        <a:latin typeface="Cambria Math" panose="02040503050406030204" pitchFamily="18" charset="0"/>
+                                        <a:latin typeface="Cambria Math" charset="0"/>
                                       </a:rPr>
                                     </m:ctrlPr>
                                   </m:sSubPr>
@@ -7088,7 +7340,7 @@
                           <m:sSubPr>
                             <m:ctrlPr>
                               <a:rPr lang="en-US" i="1">
-                                <a:latin typeface="Cambria Math" panose="02040503050406030204" pitchFamily="18" charset="0"/>
+                                <a:latin typeface="Cambria Math" charset="0"/>
                               </a:rPr>
                             </m:ctrlPr>
                           </m:sSubPr>
@@ -7119,7 +7371,7 @@
                           <m:sSubPr>
                             <m:ctrlPr>
                               <a:rPr lang="en-US" i="1">
-                                <a:latin typeface="Cambria Math" panose="02040503050406030204" pitchFamily="18" charset="0"/>
+                                <a:latin typeface="Cambria Math" charset="0"/>
                               </a:rPr>
                             </m:ctrlPr>
                           </m:sSubPr>
@@ -7168,7 +7420,7 @@
                         <m:chr m:val="̅"/>
                         <m:ctrlPr>
                           <a:rPr lang="en-US" i="1" smtClean="0">
-                            <a:latin typeface="Cambria Math" panose="02040503050406030204" pitchFamily="18" charset="0"/>
+                            <a:latin typeface="Cambria Math" charset="0"/>
                           </a:rPr>
                         </m:ctrlPr>
                       </m:accPr>
@@ -7191,7 +7443,7 @@
                       <m:fPr>
                         <m:ctrlPr>
                           <a:rPr lang="en-US" i="1">
-                            <a:latin typeface="Cambria Math" panose="02040503050406030204" pitchFamily="18" charset="0"/>
+                            <a:latin typeface="Cambria Math" charset="0"/>
                           </a:rPr>
                         </m:ctrlPr>
                       </m:fPr>
@@ -7218,7 +7470,7 @@
                         <m:limLoc m:val="subSup"/>
                         <m:ctrlPr>
                           <a:rPr lang="en-US" i="1" smtClean="0">
-                            <a:latin typeface="Cambria Math" panose="02040503050406030204" pitchFamily="18" charset="0"/>
+                            <a:latin typeface="Cambria Math" charset="0"/>
                           </a:rPr>
                         </m:ctrlPr>
                       </m:naryPr>
@@ -7252,7 +7504,7 @@
                           <m:sSubPr>
                             <m:ctrlPr>
                               <a:rPr lang="en-US" b="0" i="1" smtClean="0">
-                                <a:latin typeface="Cambria Math" panose="02040503050406030204" pitchFamily="18" charset="0"/>
+                                <a:latin typeface="Cambria Math" charset="0"/>
                               </a:rPr>
                             </m:ctrlPr>
                           </m:sSubPr>
@@ -8270,7 +8522,7 @@
                       <m:funcPr>
                         <m:ctrlPr>
                           <a:rPr lang="en-US" b="0" i="1" smtClean="0">
-                            <a:latin typeface="Cambria Math" panose="02040503050406030204" pitchFamily="18" charset="0"/>
+                            <a:latin typeface="Cambria Math" charset="0"/>
                             <a:ea typeface="Cambria Math"/>
                           </a:rPr>
                         </m:ctrlPr>
@@ -8292,7 +8544,7 @@
                           <m:dPr>
                             <m:ctrlPr>
                               <a:rPr lang="en-US" b="0" i="1" smtClean="0">
-                                <a:latin typeface="Cambria Math" panose="02040503050406030204" pitchFamily="18" charset="0"/>
+                                <a:latin typeface="Cambria Math" charset="0"/>
                                 <a:ea typeface="Cambria Math"/>
                               </a:rPr>
                             </m:ctrlPr>
@@ -8333,7 +8585,7 @@
                       <m:fPr>
                         <m:ctrlPr>
                           <a:rPr lang="en-US" b="0" i="1" smtClean="0">
-                            <a:latin typeface="Cambria Math" panose="02040503050406030204" pitchFamily="18" charset="0"/>
+                            <a:latin typeface="Cambria Math" charset="0"/>
                           </a:rPr>
                         </m:ctrlPr>
                       </m:fPr>
@@ -8418,7 +8670,7 @@
                         <m:endChr m:val="|"/>
                         <m:ctrlPr>
                           <a:rPr lang="en-US" b="0" i="1" smtClean="0">
-                            <a:latin typeface="Cambria Math" panose="02040503050406030204" pitchFamily="18" charset="0"/>
+                            <a:latin typeface="Cambria Math" charset="0"/>
                           </a:rPr>
                         </m:ctrlPr>
                       </m:dPr>
@@ -8461,7 +8713,7 @@
                       <m:dPr>
                         <m:ctrlPr>
                           <a:rPr lang="en-US" b="0" i="1" smtClean="0">
-                            <a:latin typeface="Cambria Math" panose="02040503050406030204" pitchFamily="18" charset="0"/>
+                            <a:latin typeface="Cambria Math" charset="0"/>
                             <a:ea typeface="Cambria Math"/>
                           </a:rPr>
                         </m:ctrlPr>
@@ -8773,7 +9025,7 @@
                       <m:fPr>
                         <m:ctrlPr>
                           <a:rPr lang="en-US" i="1" smtClean="0">
-                            <a:latin typeface="Cambria Math" panose="02040503050406030204" pitchFamily="18" charset="0"/>
+                            <a:latin typeface="Cambria Math" charset="0"/>
                             <a:ea typeface="Cambria Math"/>
                           </a:rPr>
                         </m:ctrlPr>
@@ -8875,7 +9127,7 @@
                       <m:fPr>
                         <m:ctrlPr>
                           <a:rPr lang="en-US" i="1" dirty="0" smtClean="0">
-                            <a:latin typeface="Cambria Math" panose="02040503050406030204" pitchFamily="18" charset="0"/>
+                            <a:latin typeface="Cambria Math" charset="0"/>
                           </a:rPr>
                         </m:ctrlPr>
                       </m:fPr>
@@ -9426,7 +9678,7 @@
                       <m:dPr>
                         <m:ctrlPr>
                           <a:rPr lang="en-US" b="0" i="1" smtClean="0">
-                            <a:latin typeface="Cambria Math" panose="02040503050406030204" pitchFamily="18" charset="0"/>
+                            <a:latin typeface="Cambria Math" charset="0"/>
                             <a:ea typeface="Cambria Math"/>
                           </a:rPr>
                         </m:ctrlPr>
@@ -9491,7 +9743,7 @@
                         <m:chr m:val="∑"/>
                         <m:ctrlPr>
                           <a:rPr lang="en-US" b="0" i="1" smtClean="0">
-                            <a:latin typeface="Cambria Math" panose="02040503050406030204" pitchFamily="18" charset="0"/>
+                            <a:latin typeface="Cambria Math" charset="0"/>
                           </a:rPr>
                         </m:ctrlPr>
                       </m:naryPr>
@@ -9537,7 +9789,7 @@
                           <m:sSubPr>
                             <m:ctrlPr>
                               <a:rPr lang="en-US" b="0" i="1" smtClean="0">
-                                <a:latin typeface="Cambria Math" panose="02040503050406030204" pitchFamily="18" charset="0"/>
+                                <a:latin typeface="Cambria Math" charset="0"/>
                               </a:rPr>
                             </m:ctrlPr>
                           </m:sSubPr>
@@ -9568,7 +9820,7 @@
                           <m:sSupPr>
                             <m:ctrlPr>
                               <a:rPr lang="en-US" b="0" i="1" smtClean="0">
-                                <a:latin typeface="Cambria Math" panose="02040503050406030204" pitchFamily="18" charset="0"/>
+                                <a:latin typeface="Cambria Math" charset="0"/>
                               </a:rPr>
                             </m:ctrlPr>
                           </m:sSupPr>
@@ -9599,7 +9851,7 @@
                           <m:sSubPr>
                             <m:ctrlPr>
                               <a:rPr lang="en-US" b="0" i="1" smtClean="0">
-                                <a:latin typeface="Cambria Math" panose="02040503050406030204" pitchFamily="18" charset="0"/>
+                                <a:latin typeface="Cambria Math" charset="0"/>
                               </a:rPr>
                             </m:ctrlPr>
                           </m:sSubPr>
@@ -9630,7 +9882,7 @@
                           <m:sSubPr>
                             <m:ctrlPr>
                               <a:rPr lang="en-US" b="0" i="1" smtClean="0">
-                                <a:latin typeface="Cambria Math" panose="02040503050406030204" pitchFamily="18" charset="0"/>
+                                <a:latin typeface="Cambria Math" charset="0"/>
                               </a:rPr>
                             </m:ctrlPr>
                           </m:sSubPr>
@@ -9677,7 +9929,7 @@
                       <m:sSubPr>
                         <m:ctrlPr>
                           <a:rPr lang="en-US" b="0" i="1" smtClean="0">
-                            <a:latin typeface="Cambria Math" panose="02040503050406030204" pitchFamily="18" charset="0"/>
+                            <a:latin typeface="Cambria Math" charset="0"/>
                           </a:rPr>
                         </m:ctrlPr>
                       </m:sSubPr>
@@ -9702,7 +9954,7 @@
                       <m:dPr>
                         <m:ctrlPr>
                           <a:rPr lang="en-US" b="0" i="1" smtClean="0">
-                            <a:latin typeface="Cambria Math" panose="02040503050406030204" pitchFamily="18" charset="0"/>
+                            <a:latin typeface="Cambria Math" charset="0"/>
                           </a:rPr>
                         </m:ctrlPr>
                       </m:dPr>
@@ -9726,7 +9978,7 @@
                         <m:chr m:val="∑"/>
                         <m:ctrlPr>
                           <a:rPr lang="en-US" b="0" i="1" smtClean="0">
-                            <a:latin typeface="Cambria Math" panose="02040503050406030204" pitchFamily="18" charset="0"/>
+                            <a:latin typeface="Cambria Math" charset="0"/>
                           </a:rPr>
                         </m:ctrlPr>
                       </m:naryPr>
@@ -9772,7 +10024,7 @@
                           <m:fPr>
                             <m:ctrlPr>
                               <a:rPr lang="en-US" b="0" i="1" smtClean="0">
-                                <a:latin typeface="Cambria Math" panose="02040503050406030204" pitchFamily="18" charset="0"/>
+                                <a:latin typeface="Cambria Math" charset="0"/>
                               </a:rPr>
                             </m:ctrlPr>
                           </m:fPr>
@@ -9781,7 +10033,7 @@
                               <m:sSubPr>
                                 <m:ctrlPr>
                                   <a:rPr lang="en-US" b="0" i="1" smtClean="0">
-                                    <a:latin typeface="Cambria Math" panose="02040503050406030204" pitchFamily="18" charset="0"/>
+                                    <a:latin typeface="Cambria Math" charset="0"/>
                                   </a:rPr>
                                 </m:ctrlPr>
                               </m:sSubPr>
@@ -9812,7 +10064,7 @@
                               <m:sSupPr>
                                 <m:ctrlPr>
                                   <a:rPr lang="en-US" b="0" i="1" smtClean="0">
-                                    <a:latin typeface="Cambria Math" panose="02040503050406030204" pitchFamily="18" charset="0"/>
+                                    <a:latin typeface="Cambria Math" charset="0"/>
                                   </a:rPr>
                                 </m:ctrlPr>
                               </m:sSupPr>
@@ -9843,7 +10095,7 @@
                               <m:sSubPr>
                                 <m:ctrlPr>
                                   <a:rPr lang="en-US" b="0" i="1" smtClean="0">
-                                    <a:latin typeface="Cambria Math" panose="02040503050406030204" pitchFamily="18" charset="0"/>
+                                    <a:latin typeface="Cambria Math" charset="0"/>
                                   </a:rPr>
                                 </m:ctrlPr>
                               </m:sSubPr>
@@ -9868,7 +10120,7 @@
                               <m:dPr>
                                 <m:ctrlPr>
                                   <a:rPr lang="en-US" b="0" i="1" smtClean="0">
-                                    <a:latin typeface="Cambria Math" panose="02040503050406030204" pitchFamily="18" charset="0"/>
+                                    <a:latin typeface="Cambria Math" charset="0"/>
                                   </a:rPr>
                                 </m:ctrlPr>
                               </m:dPr>
@@ -9877,7 +10129,7 @@
                                   <m:sSubPr>
                                     <m:ctrlPr>
                                       <a:rPr lang="en-US" b="0" i="1" smtClean="0">
-                                        <a:latin typeface="Cambria Math" panose="02040503050406030204" pitchFamily="18" charset="0"/>
+                                        <a:latin typeface="Cambria Math" charset="0"/>
                                       </a:rPr>
                                     </m:ctrlPr>
                                   </m:sSubPr>
@@ -10489,7 +10741,7 @@
                       <m:sSubPr>
                         <m:ctrlPr>
                           <a:rPr lang="en-US" b="0" i="1" smtClean="0">
-                            <a:latin typeface="Cambria Math" panose="02040503050406030204" pitchFamily="18" charset="0"/>
+                            <a:latin typeface="Cambria Math" charset="0"/>
                           </a:rPr>
                         </m:ctrlPr>
                       </m:sSubPr>
@@ -10514,7 +10766,7 @@
                       <m:dPr>
                         <m:ctrlPr>
                           <a:rPr lang="en-US" b="0" i="1" smtClean="0">
-                            <a:latin typeface="Cambria Math" panose="02040503050406030204" pitchFamily="18" charset="0"/>
+                            <a:latin typeface="Cambria Math" charset="0"/>
                           </a:rPr>
                         </m:ctrlPr>
                       </m:dPr>
@@ -10540,7 +10792,7 @@
                         <m:supHide m:val="on"/>
                         <m:ctrlPr>
                           <a:rPr lang="en-US" b="0" i="1" smtClean="0">
-                            <a:latin typeface="Cambria Math" panose="02040503050406030204" pitchFamily="18" charset="0"/>
+                            <a:latin typeface="Cambria Math" charset="0"/>
                           </a:rPr>
                         </m:ctrlPr>
                       </m:naryPr>
@@ -10551,7 +10803,7 @@
                           <m:fPr>
                             <m:ctrlPr>
                               <a:rPr lang="en-US" b="0" i="1" smtClean="0">
-                                <a:latin typeface="Cambria Math" panose="02040503050406030204" pitchFamily="18" charset="0"/>
+                                <a:latin typeface="Cambria Math" charset="0"/>
                               </a:rPr>
                             </m:ctrlPr>
                           </m:fPr>
@@ -10560,7 +10812,7 @@
                               <m:sSubPr>
                                 <m:ctrlPr>
                                   <a:rPr lang="en-US" b="0" i="1" smtClean="0">
-                                    <a:latin typeface="Cambria Math" panose="02040503050406030204" pitchFamily="18" charset="0"/>
+                                    <a:latin typeface="Cambria Math" charset="0"/>
                                     <a:ea typeface="Cambria Math"/>
                                   </a:rPr>
                                 </m:ctrlPr>
@@ -10611,7 +10863,7 @@
                               <m:sSubPr>
                                 <m:ctrlPr>
                                   <a:rPr lang="en-US" i="1">
-                                    <a:latin typeface="Cambria Math" panose="02040503050406030204" pitchFamily="18" charset="0"/>
+                                    <a:latin typeface="Cambria Math" charset="0"/>
                                     <a:ea typeface="Cambria Math"/>
                                   </a:rPr>
                                 </m:ctrlPr>
@@ -10651,7 +10903,7 @@
                       <m:sSubPr>
                         <m:ctrlPr>
                           <a:rPr lang="en-US" i="1">
-                            <a:latin typeface="Cambria Math" panose="02040503050406030204" pitchFamily="18" charset="0"/>
+                            <a:latin typeface="Cambria Math" charset="0"/>
                             <a:ea typeface="Cambria Math"/>
                           </a:rPr>
                         </m:ctrlPr>
@@ -10694,7 +10946,7 @@
                       <m:sSubPr>
                         <m:ctrlPr>
                           <a:rPr lang="en-US" i="1">
-                            <a:latin typeface="Cambria Math" panose="02040503050406030204" pitchFamily="18" charset="0"/>
+                            <a:latin typeface="Cambria Math" charset="0"/>
                             <a:ea typeface="Cambria Math"/>
                           </a:rPr>
                         </m:ctrlPr>
@@ -10893,7 +11145,7 @@
                       <m:sSupPr>
                         <m:ctrlPr>
                           <a:rPr lang="en-US" b="0" i="1" smtClean="0">
-                            <a:latin typeface="Cambria Math" panose="02040503050406030204" pitchFamily="18" charset="0"/>
+                            <a:latin typeface="Cambria Math" charset="0"/>
                             <a:ea typeface="Cambria Math"/>
                           </a:rPr>
                         </m:ctrlPr>
@@ -10945,7 +11197,7 @@
                       <m:dPr>
                         <m:ctrlPr>
                           <a:rPr lang="en-US" b="0" i="1" smtClean="0">
-                            <a:latin typeface="Cambria Math" panose="02040503050406030204" pitchFamily="18" charset="0"/>
+                            <a:latin typeface="Cambria Math" charset="0"/>
                           </a:rPr>
                         </m:ctrlPr>
                       </m:dPr>
@@ -10954,7 +11206,7 @@
                           <m:sSupPr>
                             <m:ctrlPr>
                               <a:rPr lang="en-US" b="0" i="1" smtClean="0">
-                                <a:latin typeface="Cambria Math" panose="02040503050406030204" pitchFamily="18" charset="0"/>
+                                <a:latin typeface="Cambria Math" charset="0"/>
                               </a:rPr>
                             </m:ctrlPr>
                           </m:sSupPr>
@@ -10979,7 +11231,7 @@
                           <m:funcPr>
                             <m:ctrlPr>
                               <a:rPr lang="en-US" b="0" i="1" smtClean="0">
-                                <a:latin typeface="Cambria Math" panose="02040503050406030204" pitchFamily="18" charset="0"/>
+                                <a:latin typeface="Cambria Math" charset="0"/>
                               </a:rPr>
                             </m:ctrlPr>
                           </m:funcPr>
@@ -12492,7 +12744,7 @@
                       <m:sSubPr>
                         <m:ctrlPr>
                           <a:rPr lang="en-US" b="0" i="1" smtClean="0">
-                            <a:latin typeface="Cambria Math" panose="02040503050406030204" pitchFamily="18" charset="0"/>
+                            <a:latin typeface="Cambria Math" charset="0"/>
                           </a:rPr>
                         </m:ctrlPr>
                       </m:sSubPr>
@@ -12742,7 +12994,7 @@
                         <m:sSubPr>
                           <m:ctrlPr>
                             <a:rPr lang="en-US" b="0" i="1" smtClean="0">
-                              <a:latin typeface="Cambria Math" panose="02040503050406030204" pitchFamily="18" charset="0"/>
+                              <a:latin typeface="Cambria Math" charset="0"/>
                             </a:rPr>
                           </m:ctrlPr>
                         </m:sSubPr>
@@ -12774,7 +13026,7 @@
                           <m:chr m:val="∑"/>
                           <m:ctrlPr>
                             <a:rPr lang="en-US" b="0" i="1" smtClean="0">
-                              <a:latin typeface="Cambria Math" panose="02040503050406030204" pitchFamily="18" charset="0"/>
+                              <a:latin typeface="Cambria Math" charset="0"/>
                             </a:rPr>
                           </m:ctrlPr>
                         </m:naryPr>
@@ -12810,7 +13062,7 @@
                               <m:chr m:val="∑"/>
                               <m:ctrlPr>
                                 <a:rPr lang="en-US" b="0" i="1" smtClean="0">
-                                  <a:latin typeface="Cambria Math" panose="02040503050406030204" pitchFamily="18" charset="0"/>
+                                  <a:latin typeface="Cambria Math" charset="0"/>
                                 </a:rPr>
                               </m:ctrlPr>
                             </m:naryPr>
@@ -12844,7 +13096,7 @@
                                 <m:sSupPr>
                                   <m:ctrlPr>
                                     <a:rPr lang="en-US" b="0" i="1" smtClean="0">
-                                      <a:latin typeface="Cambria Math" panose="02040503050406030204" pitchFamily="18" charset="0"/>
+                                      <a:latin typeface="Cambria Math" charset="0"/>
                                       <a:ea typeface="Cambria Math"/>
                                     </a:rPr>
                                   </m:ctrlPr>
@@ -12872,7 +13124,7 @@
                                 <m:sSubPr>
                                   <m:ctrlPr>
                                     <a:rPr lang="en-US" b="0" i="1" smtClean="0">
-                                      <a:latin typeface="Cambria Math" panose="02040503050406030204" pitchFamily="18" charset="0"/>
+                                      <a:latin typeface="Cambria Math" charset="0"/>
                                       <a:ea typeface="Cambria Math"/>
                                     </a:rPr>
                                   </m:ctrlPr>
@@ -12882,7 +13134,7 @@
                                     <m:dPr>
                                       <m:ctrlPr>
                                         <a:rPr lang="en-US" b="0" i="1" smtClean="0">
-                                          <a:latin typeface="Cambria Math" panose="02040503050406030204" pitchFamily="18" charset="0"/>
+                                          <a:latin typeface="Cambria Math" charset="0"/>
                                           <a:ea typeface="Cambria Math"/>
                                         </a:rPr>
                                       </m:ctrlPr>
@@ -12892,7 +13144,7 @@
                                         <m:sSupPr>
                                           <m:ctrlPr>
                                             <a:rPr lang="en-US" b="0" i="1" smtClean="0">
-                                              <a:latin typeface="Cambria Math" panose="02040503050406030204" pitchFamily="18" charset="0"/>
+                                              <a:latin typeface="Cambria Math" charset="0"/>
                                               <a:ea typeface="Cambria Math"/>
                                             </a:rPr>
                                           </m:ctrlPr>
@@ -13236,7 +13488,7 @@
                         <m:sSubPr>
                           <m:ctrlPr>
                             <a:rPr lang="en-US" b="0" i="1" smtClean="0">
-                              <a:latin typeface="Cambria Math" panose="02040503050406030204" pitchFamily="18" charset="0"/>
+                              <a:latin typeface="Cambria Math" charset="0"/>
                             </a:rPr>
                           </m:ctrlPr>
                         </m:sSubPr>
@@ -13276,7 +13528,7 @@
                           <m:supHide m:val="on"/>
                           <m:ctrlPr>
                             <a:rPr lang="en-US" b="0" i="1" smtClean="0">
-                              <a:latin typeface="Cambria Math" panose="02040503050406030204" pitchFamily="18" charset="0"/>
+                              <a:latin typeface="Cambria Math" charset="0"/>
                               <a:ea typeface="Cambria Math"/>
                             </a:rPr>
                           </m:ctrlPr>
@@ -13299,7 +13551,7 @@
                             <m:sSubPr>
                               <m:ctrlPr>
                                 <a:rPr lang="en-US" b="0" i="1" smtClean="0">
-                                  <a:latin typeface="Cambria Math" panose="02040503050406030204" pitchFamily="18" charset="0"/>
+                                  <a:latin typeface="Cambria Math" charset="0"/>
                                   <a:ea typeface="Cambria Math"/>
                                 </a:rPr>
                               </m:ctrlPr>
@@ -13327,7 +13579,7 @@
                             <m:fPr>
                               <m:ctrlPr>
                                 <a:rPr lang="en-US" b="0" i="1" smtClean="0">
-                                  <a:latin typeface="Cambria Math" panose="02040503050406030204" pitchFamily="18" charset="0"/>
+                                  <a:latin typeface="Cambria Math" charset="0"/>
                                   <a:ea typeface="Cambria Math"/>
                                 </a:rPr>
                               </m:ctrlPr>
@@ -13337,7 +13589,7 @@
                                 <m:sSubPr>
                                   <m:ctrlPr>
                                     <a:rPr lang="en-US" b="0" i="1" smtClean="0">
-                                      <a:latin typeface="Cambria Math" panose="02040503050406030204" pitchFamily="18" charset="0"/>
+                                      <a:latin typeface="Cambria Math" charset="0"/>
                                       <a:ea typeface="Cambria Math"/>
                                     </a:rPr>
                                   </m:ctrlPr>
@@ -13406,7 +13658,7 @@
                         <m:fPr>
                           <m:ctrlPr>
                             <a:rPr lang="en-US" b="0" i="1" smtClean="0">
-                              <a:latin typeface="Cambria Math" panose="02040503050406030204" pitchFamily="18" charset="0"/>
+                              <a:latin typeface="Cambria Math" charset="0"/>
                               <a:ea typeface="Cambria Math"/>
                             </a:rPr>
                           </m:ctrlPr>
@@ -13463,7 +13715,7 @@
                       <m:dPr>
                         <m:ctrlPr>
                           <a:rPr lang="en-US" b="0" i="1" smtClean="0">
-                            <a:latin typeface="Cambria Math" panose="02040503050406030204" pitchFamily="18" charset="0"/>
+                            <a:latin typeface="Cambria Math" charset="0"/>
                             <a:ea typeface="Cambria Math"/>
                           </a:rPr>
                         </m:ctrlPr>
@@ -13491,7 +13743,7 @@
                         <m:supHide m:val="on"/>
                         <m:ctrlPr>
                           <a:rPr lang="en-US" i="1">
-                            <a:latin typeface="Cambria Math" panose="02040503050406030204" pitchFamily="18" charset="0"/>
+                            <a:latin typeface="Cambria Math" charset="0"/>
                             <a:ea typeface="Cambria Math"/>
                           </a:rPr>
                         </m:ctrlPr>
@@ -13514,7 +13766,7 @@
                           <m:sSubPr>
                             <m:ctrlPr>
                               <a:rPr lang="en-US" i="1">
-                                <a:latin typeface="Cambria Math" panose="02040503050406030204" pitchFamily="18" charset="0"/>
+                                <a:latin typeface="Cambria Math" charset="0"/>
                                 <a:ea typeface="Cambria Math"/>
                               </a:rPr>
                             </m:ctrlPr>
@@ -14399,28 +14651,28 @@
                 <a:gridCol w="338455">
                   <a:extLst>
                     <a:ext uri="{9D8B030D-6E8A-4147-A177-3AD203B41FA5}">
-                      <a16:colId xmlns:a16="http://schemas.microsoft.com/office/drawing/2014/main" val="20000"/>
+                      <a16:colId xmlns:a16="http://schemas.microsoft.com/office/drawing/2014/main" xmlns="" val="20000"/>
                     </a:ext>
                   </a:extLst>
                 </a:gridCol>
                 <a:gridCol w="338455">
                   <a:extLst>
                     <a:ext uri="{9D8B030D-6E8A-4147-A177-3AD203B41FA5}">
-                      <a16:colId xmlns:a16="http://schemas.microsoft.com/office/drawing/2014/main" val="20001"/>
+                      <a16:colId xmlns:a16="http://schemas.microsoft.com/office/drawing/2014/main" xmlns="" val="20001"/>
                     </a:ext>
                   </a:extLst>
                 </a:gridCol>
                 <a:gridCol w="338455">
                   <a:extLst>
                     <a:ext uri="{9D8B030D-6E8A-4147-A177-3AD203B41FA5}">
-                      <a16:colId xmlns:a16="http://schemas.microsoft.com/office/drawing/2014/main" val="20002"/>
+                      <a16:colId xmlns:a16="http://schemas.microsoft.com/office/drawing/2014/main" xmlns="" val="20002"/>
                     </a:ext>
                   </a:extLst>
                 </a:gridCol>
                 <a:gridCol w="338455">
                   <a:extLst>
                     <a:ext uri="{9D8B030D-6E8A-4147-A177-3AD203B41FA5}">
-                      <a16:colId xmlns:a16="http://schemas.microsoft.com/office/drawing/2014/main" val="20003"/>
+                      <a16:colId xmlns:a16="http://schemas.microsoft.com/office/drawing/2014/main" xmlns="" val="20003"/>
                     </a:ext>
                   </a:extLst>
                 </a:gridCol>
@@ -14628,7 +14880,7 @@
                 </a:tc>
                 <a:extLst>
                   <a:ext uri="{0D108BD9-81ED-4DB2-BD59-A6C34878D82A}">
-                    <a16:rowId xmlns:a16="http://schemas.microsoft.com/office/drawing/2014/main" val="10000"/>
+                    <a16:rowId xmlns:a16="http://schemas.microsoft.com/office/drawing/2014/main" xmlns="" val="10000"/>
                   </a:ext>
                 </a:extLst>
               </a:tr>
@@ -14838,7 +15090,7 @@
                 </a:tc>
                 <a:extLst>
                   <a:ext uri="{0D108BD9-81ED-4DB2-BD59-A6C34878D82A}">
-                    <a16:rowId xmlns:a16="http://schemas.microsoft.com/office/drawing/2014/main" val="10001"/>
+                    <a16:rowId xmlns:a16="http://schemas.microsoft.com/office/drawing/2014/main" xmlns="" val="10001"/>
                   </a:ext>
                 </a:extLst>
               </a:tr>
@@ -15049,7 +15301,7 @@
                 </a:tc>
                 <a:extLst>
                   <a:ext uri="{0D108BD9-81ED-4DB2-BD59-A6C34878D82A}">
-                    <a16:rowId xmlns:a16="http://schemas.microsoft.com/office/drawing/2014/main" val="10002"/>
+                    <a16:rowId xmlns:a16="http://schemas.microsoft.com/office/drawing/2014/main" xmlns="" val="10002"/>
                   </a:ext>
                 </a:extLst>
               </a:tr>
@@ -15260,7 +15512,7 @@
                 </a:tc>
                 <a:extLst>
                   <a:ext uri="{0D108BD9-81ED-4DB2-BD59-A6C34878D82A}">
-                    <a16:rowId xmlns:a16="http://schemas.microsoft.com/office/drawing/2014/main" val="10003"/>
+                    <a16:rowId xmlns:a16="http://schemas.microsoft.com/office/drawing/2014/main" xmlns="" val="10003"/>
                   </a:ext>
                 </a:extLst>
               </a:tr>

--- a/LectureSlides/CSE_591_L14 - Graph Analytics.pptx
+++ b/LectureSlides/CSE_591_L14 - Graph Analytics.pptx
@@ -249,7 +249,7 @@
           <a:p>
             <a:fld id="{D9B44C77-4A82-4484-AF45-71FB31E79701}" type="datetimeFigureOut">
               <a:rPr lang="en-US" smtClean="0"/>
-              <a:t>2/28/17</a:t>
+              <a:t>3/2/17</a:t>
             </a:fld>
             <a:endParaRPr lang="en-US"/>
           </a:p>
@@ -769,6 +769,522 @@
 </p:notes>
 </file>
 
+<file path=ppt/notesSlides/notesSlide4.xml><?xml version="1.0" encoding="utf-8"?>
+<p:notes xmlns:a="http://schemas.openxmlformats.org/drawingml/2006/main" xmlns:r="http://schemas.openxmlformats.org/officeDocument/2006/relationships" xmlns:p="http://schemas.openxmlformats.org/presentationml/2006/main">
+  <p:cSld>
+    <p:spTree>
+      <p:nvGrpSpPr>
+        <p:cNvPr id="1" name=""/>
+        <p:cNvGrpSpPr/>
+        <p:nvPr/>
+      </p:nvGrpSpPr>
+      <p:grpSpPr>
+        <a:xfrm>
+          <a:off x="0" y="0"/>
+          <a:ext cx="0" cy="0"/>
+          <a:chOff x="0" y="0"/>
+          <a:chExt cx="0" cy="0"/>
+        </a:xfrm>
+      </p:grpSpPr>
+      <p:sp>
+        <p:nvSpPr>
+          <p:cNvPr id="2" name="Slide Image Placeholder 1"/>
+          <p:cNvSpPr>
+            <a:spLocks noGrp="1" noRot="1" noChangeAspect="1"/>
+          </p:cNvSpPr>
+          <p:nvPr>
+            <p:ph type="sldImg"/>
+          </p:nvPr>
+        </p:nvSpPr>
+        <p:spPr/>
+      </p:sp>
+      <p:sp>
+        <p:nvSpPr>
+          <p:cNvPr id="3" name="Notes Placeholder 2"/>
+          <p:cNvSpPr>
+            <a:spLocks noGrp="1"/>
+          </p:cNvSpPr>
+          <p:nvPr>
+            <p:ph type="body" idx="1"/>
+          </p:nvPr>
+        </p:nvSpPr>
+        <p:spPr/>
+        <p:txBody>
+          <a:bodyPr/>
+          <a:lstStyle/>
+          <a:p>
+            <a:r>
+              <a:rPr lang="en-US" dirty="0" smtClean="0"/>
+              <a:t>Important</a:t>
+            </a:r>
+            <a:r>
+              <a:rPr lang="en-US" baseline="0" dirty="0" smtClean="0"/>
+              <a:t> areas in a graph. How dense are the connections?</a:t>
+            </a:r>
+            <a:endParaRPr lang="en-US" dirty="0"/>
+          </a:p>
+        </p:txBody>
+      </p:sp>
+      <p:sp>
+        <p:nvSpPr>
+          <p:cNvPr id="4" name="Slide Number Placeholder 3"/>
+          <p:cNvSpPr>
+            <a:spLocks noGrp="1"/>
+          </p:cNvSpPr>
+          <p:nvPr>
+            <p:ph type="sldNum" sz="quarter" idx="10"/>
+          </p:nvPr>
+        </p:nvSpPr>
+        <p:spPr/>
+        <p:txBody>
+          <a:bodyPr/>
+          <a:lstStyle/>
+          <a:p>
+            <a:fld id="{952D7014-3A32-427F-85A0-BBEBCB83E276}" type="slidenum">
+              <a:rPr lang="en-US" smtClean="0"/>
+              <a:t>16</a:t>
+            </a:fld>
+            <a:endParaRPr lang="en-US"/>
+          </a:p>
+        </p:txBody>
+      </p:sp>
+    </p:spTree>
+    <p:extLst>
+      <p:ext uri="{BB962C8B-B14F-4D97-AF65-F5344CB8AC3E}">
+        <p14:creationId xmlns:p14="http://schemas.microsoft.com/office/powerpoint/2010/main" val="1823973135"/>
+      </p:ext>
+    </p:extLst>
+  </p:cSld>
+  <p:clrMapOvr>
+    <a:masterClrMapping/>
+  </p:clrMapOvr>
+</p:notes>
+</file>
+
+<file path=ppt/notesSlides/notesSlide5.xml><?xml version="1.0" encoding="utf-8"?>
+<p:notes xmlns:a="http://schemas.openxmlformats.org/drawingml/2006/main" xmlns:r="http://schemas.openxmlformats.org/officeDocument/2006/relationships" xmlns:p="http://schemas.openxmlformats.org/presentationml/2006/main">
+  <p:cSld>
+    <p:spTree>
+      <p:nvGrpSpPr>
+        <p:cNvPr id="1" name=""/>
+        <p:cNvGrpSpPr/>
+        <p:nvPr/>
+      </p:nvGrpSpPr>
+      <p:grpSpPr>
+        <a:xfrm>
+          <a:off x="0" y="0"/>
+          <a:ext cx="0" cy="0"/>
+          <a:chOff x="0" y="0"/>
+          <a:chExt cx="0" cy="0"/>
+        </a:xfrm>
+      </p:grpSpPr>
+      <p:sp>
+        <p:nvSpPr>
+          <p:cNvPr id="2" name="Slide Image Placeholder 1"/>
+          <p:cNvSpPr>
+            <a:spLocks noGrp="1" noRot="1" noChangeAspect="1"/>
+          </p:cNvSpPr>
+          <p:nvPr>
+            <p:ph type="sldImg"/>
+          </p:nvPr>
+        </p:nvSpPr>
+        <p:spPr/>
+      </p:sp>
+      <p:sp>
+        <p:nvSpPr>
+          <p:cNvPr id="3" name="Notes Placeholder 2"/>
+          <p:cNvSpPr>
+            <a:spLocks noGrp="1"/>
+          </p:cNvSpPr>
+          <p:nvPr>
+            <p:ph type="body" idx="1"/>
+          </p:nvPr>
+        </p:nvSpPr>
+        <p:spPr/>
+        <p:txBody>
+          <a:bodyPr/>
+          <a:lstStyle/>
+          <a:p>
+            <a:endParaRPr lang="en-US" dirty="0"/>
+          </a:p>
+        </p:txBody>
+      </p:sp>
+      <p:sp>
+        <p:nvSpPr>
+          <p:cNvPr id="4" name="Slide Number Placeholder 3"/>
+          <p:cNvSpPr>
+            <a:spLocks noGrp="1"/>
+          </p:cNvSpPr>
+          <p:nvPr>
+            <p:ph type="sldNum" sz="quarter" idx="10"/>
+          </p:nvPr>
+        </p:nvSpPr>
+        <p:spPr/>
+        <p:txBody>
+          <a:bodyPr/>
+          <a:lstStyle/>
+          <a:p>
+            <a:fld id="{952D7014-3A32-427F-85A0-BBEBCB83E276}" type="slidenum">
+              <a:rPr lang="en-US" smtClean="0"/>
+              <a:t>24</a:t>
+            </a:fld>
+            <a:endParaRPr lang="en-US"/>
+          </a:p>
+        </p:txBody>
+      </p:sp>
+    </p:spTree>
+    <p:extLst>
+      <p:ext uri="{BB962C8B-B14F-4D97-AF65-F5344CB8AC3E}">
+        <p14:creationId xmlns:p14="http://schemas.microsoft.com/office/powerpoint/2010/main" val="1207826722"/>
+      </p:ext>
+    </p:extLst>
+  </p:cSld>
+  <p:clrMapOvr>
+    <a:masterClrMapping/>
+  </p:clrMapOvr>
+</p:notes>
+</file>
+
+<file path=ppt/notesSlides/notesSlide6.xml><?xml version="1.0" encoding="utf-8"?>
+<p:notes xmlns:a="http://schemas.openxmlformats.org/drawingml/2006/main" xmlns:r="http://schemas.openxmlformats.org/officeDocument/2006/relationships" xmlns:p="http://schemas.openxmlformats.org/presentationml/2006/main">
+  <p:cSld>
+    <p:spTree>
+      <p:nvGrpSpPr>
+        <p:cNvPr id="1" name=""/>
+        <p:cNvGrpSpPr/>
+        <p:nvPr/>
+      </p:nvGrpSpPr>
+      <p:grpSpPr>
+        <a:xfrm>
+          <a:off x="0" y="0"/>
+          <a:ext cx="0" cy="0"/>
+          <a:chOff x="0" y="0"/>
+          <a:chExt cx="0" cy="0"/>
+        </a:xfrm>
+      </p:grpSpPr>
+      <p:sp>
+        <p:nvSpPr>
+          <p:cNvPr id="2" name="Slide Image Placeholder 1"/>
+          <p:cNvSpPr>
+            <a:spLocks noGrp="1" noRot="1" noChangeAspect="1"/>
+          </p:cNvSpPr>
+          <p:nvPr>
+            <p:ph type="sldImg"/>
+          </p:nvPr>
+        </p:nvSpPr>
+        <p:spPr/>
+      </p:sp>
+      <p:sp>
+        <p:nvSpPr>
+          <p:cNvPr id="3" name="Notes Placeholder 2"/>
+          <p:cNvSpPr>
+            <a:spLocks noGrp="1"/>
+          </p:cNvSpPr>
+          <p:nvPr>
+            <p:ph type="body" idx="1"/>
+          </p:nvPr>
+        </p:nvSpPr>
+        <p:spPr/>
+        <p:txBody>
+          <a:bodyPr/>
+          <a:lstStyle/>
+          <a:p>
+            <a:endParaRPr lang="en-US" dirty="0"/>
+          </a:p>
+        </p:txBody>
+      </p:sp>
+      <p:sp>
+        <p:nvSpPr>
+          <p:cNvPr id="4" name="Slide Number Placeholder 3"/>
+          <p:cNvSpPr>
+            <a:spLocks noGrp="1"/>
+          </p:cNvSpPr>
+          <p:nvPr>
+            <p:ph type="sldNum" sz="quarter" idx="10"/>
+          </p:nvPr>
+        </p:nvSpPr>
+        <p:spPr/>
+        <p:txBody>
+          <a:bodyPr/>
+          <a:lstStyle/>
+          <a:p>
+            <a:fld id="{952D7014-3A32-427F-85A0-BBEBCB83E276}" type="slidenum">
+              <a:rPr lang="en-US" smtClean="0"/>
+              <a:t>25</a:t>
+            </a:fld>
+            <a:endParaRPr lang="en-US"/>
+          </a:p>
+        </p:txBody>
+      </p:sp>
+    </p:spTree>
+    <p:extLst>
+      <p:ext uri="{BB962C8B-B14F-4D97-AF65-F5344CB8AC3E}">
+        <p14:creationId xmlns:p14="http://schemas.microsoft.com/office/powerpoint/2010/main" val="1928285210"/>
+      </p:ext>
+    </p:extLst>
+  </p:cSld>
+  <p:clrMapOvr>
+    <a:masterClrMapping/>
+  </p:clrMapOvr>
+</p:notes>
+</file>
+
+<file path=ppt/notesSlides/notesSlide7.xml><?xml version="1.0" encoding="utf-8"?>
+<p:notes xmlns:a="http://schemas.openxmlformats.org/drawingml/2006/main" xmlns:r="http://schemas.openxmlformats.org/officeDocument/2006/relationships" xmlns:p="http://schemas.openxmlformats.org/presentationml/2006/main">
+  <p:cSld>
+    <p:spTree>
+      <p:nvGrpSpPr>
+        <p:cNvPr id="1" name=""/>
+        <p:cNvGrpSpPr/>
+        <p:nvPr/>
+      </p:nvGrpSpPr>
+      <p:grpSpPr>
+        <a:xfrm>
+          <a:off x="0" y="0"/>
+          <a:ext cx="0" cy="0"/>
+          <a:chOff x="0" y="0"/>
+          <a:chExt cx="0" cy="0"/>
+        </a:xfrm>
+      </p:grpSpPr>
+      <p:sp>
+        <p:nvSpPr>
+          <p:cNvPr id="2" name="Slide Image Placeholder 1"/>
+          <p:cNvSpPr>
+            <a:spLocks noGrp="1" noRot="1" noChangeAspect="1"/>
+          </p:cNvSpPr>
+          <p:nvPr>
+            <p:ph type="sldImg"/>
+          </p:nvPr>
+        </p:nvSpPr>
+        <p:spPr/>
+      </p:sp>
+      <p:sp>
+        <p:nvSpPr>
+          <p:cNvPr id="3" name="Notes Placeholder 2"/>
+          <p:cNvSpPr>
+            <a:spLocks noGrp="1"/>
+          </p:cNvSpPr>
+          <p:nvPr>
+            <p:ph type="body" idx="1"/>
+          </p:nvPr>
+        </p:nvSpPr>
+        <p:spPr/>
+        <p:txBody>
+          <a:bodyPr/>
+          <a:lstStyle/>
+          <a:p>
+            <a:r>
+              <a:rPr lang="en-US" dirty="0" smtClean="0"/>
+              <a:t>Try to determine relationship between other nodes</a:t>
+            </a:r>
+            <a:endParaRPr lang="en-US" dirty="0"/>
+          </a:p>
+        </p:txBody>
+      </p:sp>
+      <p:sp>
+        <p:nvSpPr>
+          <p:cNvPr id="4" name="Slide Number Placeholder 3"/>
+          <p:cNvSpPr>
+            <a:spLocks noGrp="1"/>
+          </p:cNvSpPr>
+          <p:nvPr>
+            <p:ph type="sldNum" sz="quarter" idx="10"/>
+          </p:nvPr>
+        </p:nvSpPr>
+        <p:spPr/>
+        <p:txBody>
+          <a:bodyPr/>
+          <a:lstStyle/>
+          <a:p>
+            <a:fld id="{952D7014-3A32-427F-85A0-BBEBCB83E276}" type="slidenum">
+              <a:rPr lang="en-US" smtClean="0"/>
+              <a:t>27</a:t>
+            </a:fld>
+            <a:endParaRPr lang="en-US"/>
+          </a:p>
+        </p:txBody>
+      </p:sp>
+    </p:spTree>
+    <p:extLst>
+      <p:ext uri="{BB962C8B-B14F-4D97-AF65-F5344CB8AC3E}">
+        <p14:creationId xmlns:p14="http://schemas.microsoft.com/office/powerpoint/2010/main" val="828858481"/>
+      </p:ext>
+    </p:extLst>
+  </p:cSld>
+  <p:clrMapOvr>
+    <a:masterClrMapping/>
+  </p:clrMapOvr>
+</p:notes>
+</file>
+
+<file path=ppt/notesSlides/notesSlide8.xml><?xml version="1.0" encoding="utf-8"?>
+<p:notes xmlns:a="http://schemas.openxmlformats.org/drawingml/2006/main" xmlns:r="http://schemas.openxmlformats.org/officeDocument/2006/relationships" xmlns:p="http://schemas.openxmlformats.org/presentationml/2006/main">
+  <p:cSld>
+    <p:spTree>
+      <p:nvGrpSpPr>
+        <p:cNvPr id="1" name=""/>
+        <p:cNvGrpSpPr/>
+        <p:nvPr/>
+      </p:nvGrpSpPr>
+      <p:grpSpPr>
+        <a:xfrm>
+          <a:off x="0" y="0"/>
+          <a:ext cx="0" cy="0"/>
+          <a:chOff x="0" y="0"/>
+          <a:chExt cx="0" cy="0"/>
+        </a:xfrm>
+      </p:grpSpPr>
+      <p:sp>
+        <p:nvSpPr>
+          <p:cNvPr id="2" name="Slide Image Placeholder 1"/>
+          <p:cNvSpPr>
+            <a:spLocks noGrp="1" noRot="1" noChangeAspect="1"/>
+          </p:cNvSpPr>
+          <p:nvPr>
+            <p:ph type="sldImg"/>
+          </p:nvPr>
+        </p:nvSpPr>
+        <p:spPr/>
+      </p:sp>
+      <p:sp>
+        <p:nvSpPr>
+          <p:cNvPr id="3" name="Notes Placeholder 2"/>
+          <p:cNvSpPr>
+            <a:spLocks noGrp="1"/>
+          </p:cNvSpPr>
+          <p:nvPr>
+            <p:ph type="body" idx="1"/>
+          </p:nvPr>
+        </p:nvSpPr>
+        <p:spPr/>
+        <p:txBody>
+          <a:bodyPr/>
+          <a:lstStyle/>
+          <a:p>
+            <a:endParaRPr lang="en-US" dirty="0"/>
+          </a:p>
+        </p:txBody>
+      </p:sp>
+      <p:sp>
+        <p:nvSpPr>
+          <p:cNvPr id="4" name="Slide Number Placeholder 3"/>
+          <p:cNvSpPr>
+            <a:spLocks noGrp="1"/>
+          </p:cNvSpPr>
+          <p:nvPr>
+            <p:ph type="sldNum" sz="quarter" idx="10"/>
+          </p:nvPr>
+        </p:nvSpPr>
+        <p:spPr/>
+        <p:txBody>
+          <a:bodyPr/>
+          <a:lstStyle/>
+          <a:p>
+            <a:fld id="{952D7014-3A32-427F-85A0-BBEBCB83E276}" type="slidenum">
+              <a:rPr lang="en-US" smtClean="0"/>
+              <a:t>28</a:t>
+            </a:fld>
+            <a:endParaRPr lang="en-US"/>
+          </a:p>
+        </p:txBody>
+      </p:sp>
+    </p:spTree>
+    <p:extLst>
+      <p:ext uri="{BB962C8B-B14F-4D97-AF65-F5344CB8AC3E}">
+        <p14:creationId xmlns:p14="http://schemas.microsoft.com/office/powerpoint/2010/main" val="1672970499"/>
+      </p:ext>
+    </p:extLst>
+  </p:cSld>
+  <p:clrMapOvr>
+    <a:masterClrMapping/>
+  </p:clrMapOvr>
+</p:notes>
+</file>
+
+<file path=ppt/notesSlides/notesSlide9.xml><?xml version="1.0" encoding="utf-8"?>
+<p:notes xmlns:a="http://schemas.openxmlformats.org/drawingml/2006/main" xmlns:r="http://schemas.openxmlformats.org/officeDocument/2006/relationships" xmlns:p="http://schemas.openxmlformats.org/presentationml/2006/main">
+  <p:cSld>
+    <p:spTree>
+      <p:nvGrpSpPr>
+        <p:cNvPr id="1" name=""/>
+        <p:cNvGrpSpPr/>
+        <p:nvPr/>
+      </p:nvGrpSpPr>
+      <p:grpSpPr>
+        <a:xfrm>
+          <a:off x="0" y="0"/>
+          <a:ext cx="0" cy="0"/>
+          <a:chOff x="0" y="0"/>
+          <a:chExt cx="0" cy="0"/>
+        </a:xfrm>
+      </p:grpSpPr>
+      <p:sp>
+        <p:nvSpPr>
+          <p:cNvPr id="2" name="Slide Image Placeholder 1"/>
+          <p:cNvSpPr>
+            <a:spLocks noGrp="1" noRot="1" noChangeAspect="1"/>
+          </p:cNvSpPr>
+          <p:nvPr>
+            <p:ph type="sldImg"/>
+          </p:nvPr>
+        </p:nvSpPr>
+        <p:spPr/>
+      </p:sp>
+      <p:sp>
+        <p:nvSpPr>
+          <p:cNvPr id="3" name="Notes Placeholder 2"/>
+          <p:cNvSpPr>
+            <a:spLocks noGrp="1"/>
+          </p:cNvSpPr>
+          <p:nvPr>
+            <p:ph type="body" idx="1"/>
+          </p:nvPr>
+        </p:nvSpPr>
+        <p:spPr/>
+        <p:txBody>
+          <a:bodyPr/>
+          <a:lstStyle/>
+          <a:p>
+            <a:endParaRPr lang="en-US" dirty="0"/>
+          </a:p>
+        </p:txBody>
+      </p:sp>
+      <p:sp>
+        <p:nvSpPr>
+          <p:cNvPr id="4" name="Slide Number Placeholder 3"/>
+          <p:cNvSpPr>
+            <a:spLocks noGrp="1"/>
+          </p:cNvSpPr>
+          <p:nvPr>
+            <p:ph type="sldNum" sz="quarter" idx="10"/>
+          </p:nvPr>
+        </p:nvSpPr>
+        <p:spPr/>
+        <p:txBody>
+          <a:bodyPr/>
+          <a:lstStyle/>
+          <a:p>
+            <a:fld id="{952D7014-3A32-427F-85A0-BBEBCB83E276}" type="slidenum">
+              <a:rPr lang="en-US" smtClean="0"/>
+              <a:t>29</a:t>
+            </a:fld>
+            <a:endParaRPr lang="en-US"/>
+          </a:p>
+        </p:txBody>
+      </p:sp>
+    </p:spTree>
+    <p:extLst>
+      <p:ext uri="{BB962C8B-B14F-4D97-AF65-F5344CB8AC3E}">
+        <p14:creationId xmlns:p14="http://schemas.microsoft.com/office/powerpoint/2010/main" val="88870568"/>
+      </p:ext>
+    </p:extLst>
+  </p:cSld>
+  <p:clrMapOvr>
+    <a:masterClrMapping/>
+  </p:clrMapOvr>
+</p:notes>
+</file>
+
 <file path=ppt/slideLayouts/slideLayout1.xml><?xml version="1.0" encoding="utf-8"?>
 <p:sldLayout xmlns:a="http://schemas.openxmlformats.org/drawingml/2006/main" xmlns:r="http://schemas.openxmlformats.org/officeDocument/2006/relationships" xmlns:p="http://schemas.openxmlformats.org/presentationml/2006/main" showMasterSp="0" type="title" preserve="1">
   <p:cSld name="Title Slide">
@@ -964,7 +1480,7 @@
             <a:fld id="{564CF2E0-CCC4-4E1E-9902-C3C36AB3FDA4}" type="datetimeFigureOut">
               <a:rPr lang="en-US" smtClean="0"/>
               <a:pPr/>
-              <a:t>2/28/17</a:t>
+              <a:t>3/2/17</a:t>
             </a:fld>
             <a:endParaRPr lang="en-US"/>
           </a:p>
@@ -1323,7 +1839,7 @@
             <a:fld id="{564CF2E0-CCC4-4E1E-9902-C3C36AB3FDA4}" type="datetimeFigureOut">
               <a:rPr lang="en-US" smtClean="0"/>
               <a:pPr/>
-              <a:t>2/28/17</a:t>
+              <a:t>3/2/17</a:t>
             </a:fld>
             <a:endParaRPr lang="en-US"/>
           </a:p>
@@ -1500,7 +2016,7 @@
             <a:fld id="{564CF2E0-CCC4-4E1E-9902-C3C36AB3FDA4}" type="datetimeFigureOut">
               <a:rPr lang="en-US" smtClean="0"/>
               <a:pPr/>
-              <a:t>2/28/17</a:t>
+              <a:t>3/2/17</a:t>
             </a:fld>
             <a:endParaRPr lang="en-US"/>
           </a:p>
@@ -1615,7 +2131,7 @@
             <a:fld id="{564CF2E0-CCC4-4E1E-9902-C3C36AB3FDA4}" type="datetimeFigureOut">
               <a:rPr lang="en-US" smtClean="0"/>
               <a:pPr/>
-              <a:t>2/28/17</a:t>
+              <a:t>3/2/17</a:t>
             </a:fld>
             <a:endParaRPr lang="en-US"/>
           </a:p>
@@ -1975,7 +2491,7 @@
             <a:fld id="{564CF2E0-CCC4-4E1E-9902-C3C36AB3FDA4}" type="datetimeFigureOut">
               <a:rPr lang="en-US" smtClean="0"/>
               <a:pPr/>
-              <a:t>2/28/17</a:t>
+              <a:t>3/2/17</a:t>
             </a:fld>
             <a:endParaRPr lang="en-US"/>
           </a:p>
@@ -2242,7 +2758,7 @@
             <a:fld id="{564CF2E0-CCC4-4E1E-9902-C3C36AB3FDA4}" type="datetimeFigureOut">
               <a:rPr lang="en-US" smtClean="0"/>
               <a:pPr/>
-              <a:t>2/28/17</a:t>
+              <a:t>3/2/17</a:t>
             </a:fld>
             <a:endParaRPr lang="en-US"/>
           </a:p>
@@ -2606,7 +3122,7 @@
             <a:fld id="{564CF2E0-CCC4-4E1E-9902-C3C36AB3FDA4}" type="datetimeFigureOut">
               <a:rPr lang="en-US" smtClean="0"/>
               <a:pPr/>
-              <a:t>2/28/17</a:t>
+              <a:t>3/2/17</a:t>
             </a:fld>
             <a:endParaRPr lang="en-US"/>
           </a:p>
@@ -2835,7 +3351,7 @@
             <a:fld id="{564CF2E0-CCC4-4E1E-9902-C3C36AB3FDA4}" type="datetimeFigureOut">
               <a:rPr lang="en-US" smtClean="0"/>
               <a:pPr/>
-              <a:t>2/28/17</a:t>
+              <a:t>3/2/17</a:t>
             </a:fld>
             <a:endParaRPr lang="en-US"/>
           </a:p>
@@ -2927,7 +3443,7 @@
             <a:fld id="{564CF2E0-CCC4-4E1E-9902-C3C36AB3FDA4}" type="datetimeFigureOut">
               <a:rPr lang="en-US" smtClean="0"/>
               <a:pPr/>
-              <a:t>2/28/17</a:t>
+              <a:t>3/2/17</a:t>
             </a:fld>
             <a:endParaRPr lang="en-US"/>
           </a:p>
@@ -3196,7 +3712,7 @@
             <a:fld id="{564CF2E0-CCC4-4E1E-9902-C3C36AB3FDA4}" type="datetimeFigureOut">
               <a:rPr lang="en-US" smtClean="0"/>
               <a:pPr/>
-              <a:t>2/28/17</a:t>
+              <a:t>3/2/17</a:t>
             </a:fld>
             <a:endParaRPr lang="en-US"/>
           </a:p>
@@ -3426,7 +3942,7 @@
             <a:fld id="{564CF2E0-CCC4-4E1E-9902-C3C36AB3FDA4}" type="datetimeFigureOut">
               <a:rPr lang="en-US" smtClean="0"/>
               <a:pPr/>
-              <a:t>2/28/17</a:t>
+              <a:t>3/2/17</a:t>
             </a:fld>
             <a:endParaRPr lang="en-US"/>
           </a:p>
@@ -3928,7 +4444,7 @@
             <a:fld id="{564CF2E0-CCC4-4E1E-9902-C3C36AB3FDA4}" type="datetimeFigureOut">
               <a:rPr lang="en-US" smtClean="0"/>
               <a:pPr algn="r" eaLnBrk="1" latinLnBrk="0" hangingPunct="1"/>
-              <a:t>2/28/17</a:t>
+              <a:t>3/2/17</a:t>
             </a:fld>
             <a:endParaRPr lang="en-US" sz="1400" dirty="0">
               <a:solidFill>
@@ -8842,7 +9358,7 @@
             </p:nvSpPr>
             <p:spPr>
               <a:blipFill rotWithShape="1">
-                <a:blip r:embed="rId2"/>
+                <a:blip r:embed="rId3"/>
                 <a:stretch>
                   <a:fillRect l="-549" t="-1733" r="-314" b="-2133"/>
                 </a:stretch>
@@ -9206,7 +9722,7 @@
             </p:nvSpPr>
             <p:spPr>
               <a:blipFill rotWithShape="1">
-                <a:blip r:embed="rId2"/>
+                <a:blip r:embed="rId3"/>
                 <a:stretch>
                   <a:fillRect l="-706" t="-1733" r="-863"/>
                 </a:stretch>
@@ -10188,7 +10704,7 @@
             </p:nvSpPr>
             <p:spPr>
               <a:blipFill rotWithShape="1">
-                <a:blip r:embed="rId2"/>
+                <a:blip r:embed="rId3"/>
                 <a:stretch>
                   <a:fillRect l="-549" t="-2267" r="-471"/>
                 </a:stretch>
@@ -14651,28 +15167,28 @@
                 <a:gridCol w="338455">
                   <a:extLst>
                     <a:ext uri="{9D8B030D-6E8A-4147-A177-3AD203B41FA5}">
-                      <a16:colId xmlns:a16="http://schemas.microsoft.com/office/drawing/2014/main" xmlns="" val="20000"/>
+                      <a16:colId xmlns="" xmlns:a16="http://schemas.microsoft.com/office/drawing/2014/main" val="20000"/>
                     </a:ext>
                   </a:extLst>
                 </a:gridCol>
                 <a:gridCol w="338455">
                   <a:extLst>
                     <a:ext uri="{9D8B030D-6E8A-4147-A177-3AD203B41FA5}">
-                      <a16:colId xmlns:a16="http://schemas.microsoft.com/office/drawing/2014/main" xmlns="" val="20001"/>
+                      <a16:colId xmlns="" xmlns:a16="http://schemas.microsoft.com/office/drawing/2014/main" val="20001"/>
                     </a:ext>
                   </a:extLst>
                 </a:gridCol>
                 <a:gridCol w="338455">
                   <a:extLst>
                     <a:ext uri="{9D8B030D-6E8A-4147-A177-3AD203B41FA5}">
-                      <a16:colId xmlns:a16="http://schemas.microsoft.com/office/drawing/2014/main" xmlns="" val="20002"/>
+                      <a16:colId xmlns="" xmlns:a16="http://schemas.microsoft.com/office/drawing/2014/main" val="20002"/>
                     </a:ext>
                   </a:extLst>
                 </a:gridCol>
                 <a:gridCol w="338455">
                   <a:extLst>
                     <a:ext uri="{9D8B030D-6E8A-4147-A177-3AD203B41FA5}">
-                      <a16:colId xmlns:a16="http://schemas.microsoft.com/office/drawing/2014/main" xmlns="" val="20003"/>
+                      <a16:colId xmlns="" xmlns:a16="http://schemas.microsoft.com/office/drawing/2014/main" val="20003"/>
                     </a:ext>
                   </a:extLst>
                 </a:gridCol>
@@ -14880,7 +15396,7 @@
                 </a:tc>
                 <a:extLst>
                   <a:ext uri="{0D108BD9-81ED-4DB2-BD59-A6C34878D82A}">
-                    <a16:rowId xmlns:a16="http://schemas.microsoft.com/office/drawing/2014/main" xmlns="" val="10000"/>
+                    <a16:rowId xmlns="" xmlns:a16="http://schemas.microsoft.com/office/drawing/2014/main" val="10000"/>
                   </a:ext>
                 </a:extLst>
               </a:tr>
@@ -15090,7 +15606,7 @@
                 </a:tc>
                 <a:extLst>
                   <a:ext uri="{0D108BD9-81ED-4DB2-BD59-A6C34878D82A}">
-                    <a16:rowId xmlns:a16="http://schemas.microsoft.com/office/drawing/2014/main" xmlns="" val="10001"/>
+                    <a16:rowId xmlns="" xmlns:a16="http://schemas.microsoft.com/office/drawing/2014/main" val="10001"/>
                   </a:ext>
                 </a:extLst>
               </a:tr>
@@ -15301,7 +15817,7 @@
                 </a:tc>
                 <a:extLst>
                   <a:ext uri="{0D108BD9-81ED-4DB2-BD59-A6C34878D82A}">
-                    <a16:rowId xmlns:a16="http://schemas.microsoft.com/office/drawing/2014/main" xmlns="" val="10002"/>
+                    <a16:rowId xmlns="" xmlns:a16="http://schemas.microsoft.com/office/drawing/2014/main" val="10002"/>
                   </a:ext>
                 </a:extLst>
               </a:tr>
@@ -15512,7 +16028,7 @@
                 </a:tc>
                 <a:extLst>
                   <a:ext uri="{0D108BD9-81ED-4DB2-BD59-A6C34878D82A}">
-                    <a16:rowId xmlns:a16="http://schemas.microsoft.com/office/drawing/2014/main" xmlns="" val="10003"/>
+                    <a16:rowId xmlns="" xmlns:a16="http://schemas.microsoft.com/office/drawing/2014/main" val="10003"/>
                   </a:ext>
                 </a:extLst>
               </a:tr>
